--- a/docs/Presentation1.pptx
+++ b/docs/Presentation1.pptx
@@ -6,6 +6,7 @@
   </p:sldMasterIdLst>
   <p:sldIdLst>
     <p:sldId id="256" r:id="rId2"/>
+    <p:sldId id="257" r:id="rId3"/>
   </p:sldIdLst>
   <p:sldSz cx="12192000" cy="6858000"/>
   <p:notesSz cx="6858000" cy="9144000"/>
@@ -259,7 +260,7 @@
           <a:p>
             <a:fld id="{72DD05B1-DE1E-425F-8239-4148506F06C8}" type="datetimeFigureOut">
               <a:rPr lang="en-US" smtClean="0"/>
-              <a:t>12/2/2022</a:t>
+              <a:t>12/4/2022</a:t>
             </a:fld>
             <a:endParaRPr lang="en-US"/>
           </a:p>
@@ -457,7 +458,7 @@
           <a:p>
             <a:fld id="{72DD05B1-DE1E-425F-8239-4148506F06C8}" type="datetimeFigureOut">
               <a:rPr lang="en-US" smtClean="0"/>
-              <a:t>12/2/2022</a:t>
+              <a:t>12/4/2022</a:t>
             </a:fld>
             <a:endParaRPr lang="en-US"/>
           </a:p>
@@ -665,7 +666,7 @@
           <a:p>
             <a:fld id="{72DD05B1-DE1E-425F-8239-4148506F06C8}" type="datetimeFigureOut">
               <a:rPr lang="en-US" smtClean="0"/>
-              <a:t>12/2/2022</a:t>
+              <a:t>12/4/2022</a:t>
             </a:fld>
             <a:endParaRPr lang="en-US"/>
           </a:p>
@@ -863,7 +864,7 @@
           <a:p>
             <a:fld id="{72DD05B1-DE1E-425F-8239-4148506F06C8}" type="datetimeFigureOut">
               <a:rPr lang="en-US" smtClean="0"/>
-              <a:t>12/2/2022</a:t>
+              <a:t>12/4/2022</a:t>
             </a:fld>
             <a:endParaRPr lang="en-US"/>
           </a:p>
@@ -1138,7 +1139,7 @@
           <a:p>
             <a:fld id="{72DD05B1-DE1E-425F-8239-4148506F06C8}" type="datetimeFigureOut">
               <a:rPr lang="en-US" smtClean="0"/>
-              <a:t>12/2/2022</a:t>
+              <a:t>12/4/2022</a:t>
             </a:fld>
             <a:endParaRPr lang="en-US"/>
           </a:p>
@@ -1403,7 +1404,7 @@
           <a:p>
             <a:fld id="{72DD05B1-DE1E-425F-8239-4148506F06C8}" type="datetimeFigureOut">
               <a:rPr lang="en-US" smtClean="0"/>
-              <a:t>12/2/2022</a:t>
+              <a:t>12/4/2022</a:t>
             </a:fld>
             <a:endParaRPr lang="en-US"/>
           </a:p>
@@ -1815,7 +1816,7 @@
           <a:p>
             <a:fld id="{72DD05B1-DE1E-425F-8239-4148506F06C8}" type="datetimeFigureOut">
               <a:rPr lang="en-US" smtClean="0"/>
-              <a:t>12/2/2022</a:t>
+              <a:t>12/4/2022</a:t>
             </a:fld>
             <a:endParaRPr lang="en-US"/>
           </a:p>
@@ -1956,7 +1957,7 @@
           <a:p>
             <a:fld id="{72DD05B1-DE1E-425F-8239-4148506F06C8}" type="datetimeFigureOut">
               <a:rPr lang="en-US" smtClean="0"/>
-              <a:t>12/2/2022</a:t>
+              <a:t>12/4/2022</a:t>
             </a:fld>
             <a:endParaRPr lang="en-US"/>
           </a:p>
@@ -2069,7 +2070,7 @@
           <a:p>
             <a:fld id="{72DD05B1-DE1E-425F-8239-4148506F06C8}" type="datetimeFigureOut">
               <a:rPr lang="en-US" smtClean="0"/>
-              <a:t>12/2/2022</a:t>
+              <a:t>12/4/2022</a:t>
             </a:fld>
             <a:endParaRPr lang="en-US"/>
           </a:p>
@@ -2380,7 +2381,7 @@
           <a:p>
             <a:fld id="{72DD05B1-DE1E-425F-8239-4148506F06C8}" type="datetimeFigureOut">
               <a:rPr lang="en-US" smtClean="0"/>
-              <a:t>12/2/2022</a:t>
+              <a:t>12/4/2022</a:t>
             </a:fld>
             <a:endParaRPr lang="en-US"/>
           </a:p>
@@ -2668,7 +2669,7 @@
           <a:p>
             <a:fld id="{72DD05B1-DE1E-425F-8239-4148506F06C8}" type="datetimeFigureOut">
               <a:rPr lang="en-US" smtClean="0"/>
-              <a:t>12/2/2022</a:t>
+              <a:t>12/4/2022</a:t>
             </a:fld>
             <a:endParaRPr lang="en-US"/>
           </a:p>
@@ -2909,7 +2910,7 @@
           <a:p>
             <a:fld id="{72DD05B1-DE1E-425F-8239-4148506F06C8}" type="datetimeFigureOut">
               <a:rPr lang="en-US" smtClean="0"/>
-              <a:t>12/2/2022</a:t>
+              <a:t>12/4/2022</a:t>
             </a:fld>
             <a:endParaRPr lang="en-US"/>
           </a:p>
@@ -4129,6 +4130,126 @@
 </p:sld>
 </file>
 
+<file path=ppt/slides/slide2.xml><?xml version="1.0" encoding="utf-8"?>
+<p:sld xmlns:a="http://schemas.openxmlformats.org/drawingml/2006/main" xmlns:r="http://schemas.openxmlformats.org/officeDocument/2006/relationships" xmlns:p="http://schemas.openxmlformats.org/presentationml/2006/main">
+  <p:cSld>
+    <p:spTree>
+      <p:nvGrpSpPr>
+        <p:cNvPr id="1" name=""/>
+        <p:cNvGrpSpPr/>
+        <p:nvPr/>
+      </p:nvGrpSpPr>
+      <p:grpSpPr>
+        <a:xfrm>
+          <a:off x="0" y="0"/>
+          <a:ext cx="0" cy="0"/>
+          <a:chOff x="0" y="0"/>
+          <a:chExt cx="0" cy="0"/>
+        </a:xfrm>
+      </p:grpSpPr>
+      <p:sp>
+        <p:nvSpPr>
+          <p:cNvPr id="5" name="TextBox 4">
+            <a:extLst>
+              <a:ext uri="{FF2B5EF4-FFF2-40B4-BE49-F238E27FC236}">
+                <a16:creationId xmlns:a16="http://schemas.microsoft.com/office/drawing/2014/main" id="{3ABD077A-B30C-B1FA-C386-670D37A82435}"/>
+              </a:ext>
+            </a:extLst>
+          </p:cNvPr>
+          <p:cNvSpPr txBox="1"/>
+          <p:nvPr/>
+        </p:nvSpPr>
+        <p:spPr>
+          <a:xfrm>
+            <a:off x="1163974" y="2023478"/>
+            <a:ext cx="9393482" cy="584775"/>
+          </a:xfrm>
+          <a:prstGeom prst="rect">
+            <a:avLst/>
+          </a:prstGeom>
+          <a:noFill/>
+        </p:spPr>
+        <p:txBody>
+          <a:bodyPr wrap="square">
+            <a:spAutoFit/>
+          </a:bodyPr>
+          <a:lstStyle/>
+          <a:p>
+            <a:pPr algn="ctr"/>
+            <a:r>
+              <a:rPr lang="en-US" sz="3200" b="0" i="0" dirty="0">
+                <a:solidFill>
+                  <a:schemeClr val="accent1"/>
+                </a:solidFill>
+                <a:effectLst/>
+                <a:latin typeface="Roboto" panose="02000000000000000000" pitchFamily="2" charset="0"/>
+              </a:rPr>
+              <a:t>React to-do App project Tutorial for Beginners</a:t>
+            </a:r>
+            <a:endParaRPr lang="en-US" sz="3200" dirty="0">
+              <a:solidFill>
+                <a:schemeClr val="accent1"/>
+              </a:solidFill>
+            </a:endParaRPr>
+          </a:p>
+        </p:txBody>
+      </p:sp>
+      <p:sp>
+        <p:nvSpPr>
+          <p:cNvPr id="4" name="TextBox 3">
+            <a:extLst>
+              <a:ext uri="{FF2B5EF4-FFF2-40B4-BE49-F238E27FC236}">
+                <a16:creationId xmlns:a16="http://schemas.microsoft.com/office/drawing/2014/main" id="{3C028076-BB03-0623-2519-4DF3E1587D60}"/>
+              </a:ext>
+            </a:extLst>
+          </p:cNvPr>
+          <p:cNvSpPr txBox="1"/>
+          <p:nvPr/>
+        </p:nvSpPr>
+        <p:spPr>
+          <a:xfrm>
+            <a:off x="4494975" y="3288323"/>
+            <a:ext cx="3202049" cy="584775"/>
+          </a:xfrm>
+          <a:prstGeom prst="rect">
+            <a:avLst/>
+          </a:prstGeom>
+          <a:noFill/>
+        </p:spPr>
+        <p:txBody>
+          <a:bodyPr wrap="square">
+            <a:spAutoFit/>
+          </a:bodyPr>
+          <a:lstStyle/>
+          <a:p>
+            <a:pPr algn="ctr"/>
+            <a:r>
+              <a:rPr lang="en-US" sz="3200" b="0" i="0" dirty="0">
+                <a:solidFill>
+                  <a:schemeClr val="accent1"/>
+                </a:solidFill>
+                <a:effectLst/>
+                <a:latin typeface="Roboto" panose="02000000000000000000" pitchFamily="2" charset="0"/>
+              </a:rPr>
+              <a:t>Sprint 03</a:t>
+            </a:r>
+            <a:endParaRPr lang="en-US" sz="2400" dirty="0"/>
+          </a:p>
+        </p:txBody>
+      </p:sp>
+    </p:spTree>
+    <p:extLst>
+      <p:ext uri="{BB962C8B-B14F-4D97-AF65-F5344CB8AC3E}">
+        <p14:creationId xmlns:p14="http://schemas.microsoft.com/office/powerpoint/2010/main" val="2120934869"/>
+      </p:ext>
+    </p:extLst>
+  </p:cSld>
+  <p:clrMapOvr>
+    <a:masterClrMapping/>
+  </p:clrMapOvr>
+</p:sld>
+</file>
+
 <file path=ppt/theme/theme1.xml><?xml version="1.0" encoding="utf-8"?>
 <a:theme xmlns:a="http://schemas.openxmlformats.org/drawingml/2006/main" name="Office Theme">
   <a:themeElements>
